--- a/Classroom/10.InteractionModeling.pptx
+++ b/Classroom/10.InteractionModeling.pptx
@@ -114,6 +114,22 @@
       </a:defRPr>
     </a:lvl9pPr>
   </p:defaultTextStyle>
+  <p:extLst>
+    <p:ext uri="{EFAFB233-063F-42B5-8137-9DF3F51BA10A}">
+      <p15:sldGuideLst xmlns:p15="http://schemas.microsoft.com/office/powerpoint/2012/main">
+        <p15:guide id="1" orient="horz" pos="2160">
+          <p15:clr>
+            <a:srgbClr val="A4A3A4"/>
+          </p15:clr>
+        </p15:guide>
+        <p15:guide id="2" pos="2880">
+          <p15:clr>
+            <a:srgbClr val="A4A3A4"/>
+          </p15:clr>
+        </p15:guide>
+      </p15:sldGuideLst>
+    </p:ext>
+  </p:extLst>
 </p:presentation>
 </file>
 
@@ -299,7 +315,7 @@
             <a:fld id="{1D8BD707-D9CF-40AE-B4C6-C98DA3205C09}" type="datetimeFigureOut">
               <a:rPr lang="en-US" smtClean="0"/>
               <a:pPr/>
-              <a:t>11/6/2016</a:t>
+              <a:t>11/8/2017</a:t>
             </a:fld>
             <a:endParaRPr lang="en-US"/>
           </a:p>
@@ -466,7 +482,7 @@
             <a:fld id="{1D8BD707-D9CF-40AE-B4C6-C98DA3205C09}" type="datetimeFigureOut">
               <a:rPr lang="en-US" smtClean="0"/>
               <a:pPr/>
-              <a:t>11/6/2016</a:t>
+              <a:t>11/8/2017</a:t>
             </a:fld>
             <a:endParaRPr lang="en-US"/>
           </a:p>
@@ -643,7 +659,7 @@
             <a:fld id="{1D8BD707-D9CF-40AE-B4C6-C98DA3205C09}" type="datetimeFigureOut">
               <a:rPr lang="en-US" smtClean="0"/>
               <a:pPr/>
-              <a:t>11/6/2016</a:t>
+              <a:t>11/8/2017</a:t>
             </a:fld>
             <a:endParaRPr lang="en-US"/>
           </a:p>
@@ -810,7 +826,7 @@
             <a:fld id="{1D8BD707-D9CF-40AE-B4C6-C98DA3205C09}" type="datetimeFigureOut">
               <a:rPr lang="en-US" smtClean="0"/>
               <a:pPr/>
-              <a:t>11/6/2016</a:t>
+              <a:t>11/8/2017</a:t>
             </a:fld>
             <a:endParaRPr lang="en-US"/>
           </a:p>
@@ -1053,7 +1069,7 @@
             <a:fld id="{1D8BD707-D9CF-40AE-B4C6-C98DA3205C09}" type="datetimeFigureOut">
               <a:rPr lang="en-US" smtClean="0"/>
               <a:pPr/>
-              <a:t>11/6/2016</a:t>
+              <a:t>11/8/2017</a:t>
             </a:fld>
             <a:endParaRPr lang="en-US"/>
           </a:p>
@@ -1338,7 +1354,7 @@
             <a:fld id="{1D8BD707-D9CF-40AE-B4C6-C98DA3205C09}" type="datetimeFigureOut">
               <a:rPr lang="en-US" smtClean="0"/>
               <a:pPr/>
-              <a:t>11/6/2016</a:t>
+              <a:t>11/8/2017</a:t>
             </a:fld>
             <a:endParaRPr lang="en-US"/>
           </a:p>
@@ -1757,7 +1773,7 @@
             <a:fld id="{1D8BD707-D9CF-40AE-B4C6-C98DA3205C09}" type="datetimeFigureOut">
               <a:rPr lang="en-US" smtClean="0"/>
               <a:pPr/>
-              <a:t>11/6/2016</a:t>
+              <a:t>11/8/2017</a:t>
             </a:fld>
             <a:endParaRPr lang="en-US"/>
           </a:p>
@@ -1872,7 +1888,7 @@
             <a:fld id="{1D8BD707-D9CF-40AE-B4C6-C98DA3205C09}" type="datetimeFigureOut">
               <a:rPr lang="en-US" smtClean="0"/>
               <a:pPr/>
-              <a:t>11/6/2016</a:t>
+              <a:t>11/8/2017</a:t>
             </a:fld>
             <a:endParaRPr lang="en-US"/>
           </a:p>
@@ -1964,7 +1980,7 @@
             <a:fld id="{1D8BD707-D9CF-40AE-B4C6-C98DA3205C09}" type="datetimeFigureOut">
               <a:rPr lang="en-US" smtClean="0"/>
               <a:pPr/>
-              <a:t>11/6/2016</a:t>
+              <a:t>11/8/2017</a:t>
             </a:fld>
             <a:endParaRPr lang="en-US"/>
           </a:p>
@@ -2238,7 +2254,7 @@
             <a:fld id="{1D8BD707-D9CF-40AE-B4C6-C98DA3205C09}" type="datetimeFigureOut">
               <a:rPr lang="en-US" smtClean="0"/>
               <a:pPr/>
-              <a:t>11/6/2016</a:t>
+              <a:t>11/8/2017</a:t>
             </a:fld>
             <a:endParaRPr lang="en-US"/>
           </a:p>
@@ -2488,7 +2504,7 @@
             <a:fld id="{1D8BD707-D9CF-40AE-B4C6-C98DA3205C09}" type="datetimeFigureOut">
               <a:rPr lang="en-US" smtClean="0"/>
               <a:pPr/>
-              <a:t>11/6/2016</a:t>
+              <a:t>11/8/2017</a:t>
             </a:fld>
             <a:endParaRPr lang="en-US"/>
           </a:p>
@@ -2698,7 +2714,7 @@
             <a:fld id="{1D8BD707-D9CF-40AE-B4C6-C98DA3205C09}" type="datetimeFigureOut">
               <a:rPr lang="en-US" smtClean="0"/>
               <a:pPr/>
-              <a:t>11/6/2016</a:t>
+              <a:t>11/8/2017</a:t>
             </a:fld>
             <a:endParaRPr lang="en-US"/>
           </a:p>
@@ -3210,7 +3226,7 @@
           <a:graphicData uri="http://schemas.openxmlformats.org/presentationml/2006/ole">
             <mc:AlternateContent xmlns:mc="http://schemas.openxmlformats.org/markup-compatibility/2006">
               <mc:Choice xmlns:v="urn:schemas-microsoft-com:vml" Requires="v">
-                <p:oleObj spid="_x0000_s3107" name="Bitmap Image" r:id="rId3" imgW="4858428" imgH="2209524" progId="PBrush">
+                <p:oleObj spid="_x0000_s3109" name="Bitmap Image" r:id="rId3" imgW="4858428" imgH="2209524" progId="PBrush">
                   <p:embed/>
                 </p:oleObj>
               </mc:Choice>
@@ -3319,7 +3335,7 @@
             <a:graphicData uri="http://schemas.openxmlformats.org/presentationml/2006/ole">
               <mc:AlternateContent xmlns:mc="http://schemas.openxmlformats.org/markup-compatibility/2006">
                 <mc:Choice xmlns:v="urn:schemas-microsoft-com:vml" Requires="v">
-                  <p:oleObj spid="_x0000_s3108" name="Visio" r:id="rId5" imgW="1288923" imgH="2317699" progId="Visio.Drawing.11">
+                  <p:oleObj spid="_x0000_s3110" name="Visio" r:id="rId5" imgW="1288923" imgH="2317699" progId="Visio.Drawing.11">
                     <p:embed/>
                   </p:oleObj>
                 </mc:Choice>
@@ -3922,7 +3938,7 @@
         <p:spPr/>
         <p:txBody>
           <a:bodyPr>
-            <a:normAutofit lnSpcReduction="10000"/>
+            <a:normAutofit/>
           </a:bodyPr>
           <a:lstStyle/>
           <a:p>
@@ -3958,7 +3974,7 @@
                   <a:srgbClr val="FF0000"/>
                 </a:solidFill>
               </a:rPr>
-              <a:t>Activity diagrams provide details and show the flow of control among the steps of a computation (data flow and control flow)</a:t>
+              <a:t>Activity diagrams provide details and show the flow of control among the steps of a computation </a:t>
             </a:r>
             <a:endParaRPr lang="en-US" dirty="0">
               <a:solidFill>
@@ -4344,7 +4360,7 @@
           <a:graphicData uri="http://schemas.openxmlformats.org/presentationml/2006/ole">
             <mc:AlternateContent xmlns:mc="http://schemas.openxmlformats.org/markup-compatibility/2006">
               <mc:Choice xmlns:v="urn:schemas-microsoft-com:vml" Requires="v">
-                <p:oleObj spid="_x0000_s1044" name="Bitmap Image" r:id="rId3" imgW="4600000" imgH="2715004" progId="Paint.Picture">
+                <p:oleObj spid="_x0000_s1045" name="Bitmap Image" r:id="rId3" imgW="4600000" imgH="2715004" progId="Paint.Picture">
                   <p:embed/>
                 </p:oleObj>
               </mc:Choice>
@@ -4499,7 +4515,7 @@
           <a:graphicData uri="http://schemas.openxmlformats.org/presentationml/2006/ole">
             <mc:AlternateContent xmlns:mc="http://schemas.openxmlformats.org/markup-compatibility/2006">
               <mc:Choice xmlns:v="urn:schemas-microsoft-com:vml" Requires="v">
-                <p:oleObj spid="_x0000_s2067" name="Bitmap Image" r:id="rId3" imgW="4191585" imgH="2257740" progId="Paint.Picture">
+                <p:oleObj spid="_x0000_s2068" name="Bitmap Image" r:id="rId3" imgW="4191585" imgH="2257740" progId="Paint.Picture">
                   <p:embed/>
                 </p:oleObj>
               </mc:Choice>
